--- a/documents/PresentazioneGC50.pptx
+++ b/documents/PresentazioneGC50.pptx
@@ -5,7 +5,7 @@
     <p:sldMasterId id="2147483673" r:id="rId1"/>
   </p:sldMasterIdLst>
   <p:notesMasterIdLst>
-    <p:notesMasterId r:id="rId12"/>
+    <p:notesMasterId r:id="rId13"/>
   </p:notesMasterIdLst>
   <p:sldIdLst>
     <p:sldId id="256" r:id="rId2"/>
@@ -16,8 +16,9 @@
     <p:sldId id="262" r:id="rId7"/>
     <p:sldId id="260" r:id="rId8"/>
     <p:sldId id="263" r:id="rId9"/>
-    <p:sldId id="265" r:id="rId10"/>
-    <p:sldId id="266" r:id="rId11"/>
+    <p:sldId id="267" r:id="rId10"/>
+    <p:sldId id="265" r:id="rId11"/>
+    <p:sldId id="266" r:id="rId12"/>
   </p:sldIdLst>
   <p:sldSz cx="12192000" cy="6858000"/>
   <p:notesSz cx="6858000" cy="9144000"/>
@@ -688,7 +689,7 @@
           <a:p>
             <a:fld id="{7202ABAD-4209-4CCF-B9B2-BA8F1A4DE14A}" type="datetimeFigureOut">
               <a:rPr lang="it-IT" smtClean="0"/>
-              <a:t>02/07/24</a:t>
+              <a:t>03/07/2024</a:t>
             </a:fld>
             <a:endParaRPr lang="it-IT"/>
           </a:p>
@@ -1039,6 +1040,90 @@
 </p:notes>
 </file>
 
+<file path=ppt/notesSlides/notesSlide10.xml><?xml version="1.0" encoding="utf-8"?>
+<p:notes xmlns:a="http://schemas.openxmlformats.org/drawingml/2006/main" xmlns:r="http://schemas.openxmlformats.org/officeDocument/2006/relationships" xmlns:p="http://schemas.openxmlformats.org/presentationml/2006/main">
+  <p:cSld>
+    <p:spTree>
+      <p:nvGrpSpPr>
+        <p:cNvPr id="1" name=""/>
+        <p:cNvGrpSpPr/>
+        <p:nvPr/>
+      </p:nvGrpSpPr>
+      <p:grpSpPr>
+        <a:xfrm>
+          <a:off x="0" y="0"/>
+          <a:ext cx="0" cy="0"/>
+          <a:chOff x="0" y="0"/>
+          <a:chExt cx="0" cy="0"/>
+        </a:xfrm>
+      </p:grpSpPr>
+      <p:sp>
+        <p:nvSpPr>
+          <p:cNvPr id="2" name="Segnaposto immagine diapositiva 1"/>
+          <p:cNvSpPr>
+            <a:spLocks noGrp="1" noRot="1" noChangeAspect="1"/>
+          </p:cNvSpPr>
+          <p:nvPr>
+            <p:ph type="sldImg"/>
+          </p:nvPr>
+        </p:nvSpPr>
+        <p:spPr/>
+      </p:sp>
+      <p:sp>
+        <p:nvSpPr>
+          <p:cNvPr id="3" name="Segnaposto note 2"/>
+          <p:cNvSpPr>
+            <a:spLocks noGrp="1"/>
+          </p:cNvSpPr>
+          <p:nvPr>
+            <p:ph type="body" idx="1"/>
+          </p:nvPr>
+        </p:nvSpPr>
+        <p:spPr/>
+        <p:txBody>
+          <a:bodyPr/>
+          <a:lstStyle/>
+          <a:p>
+            <a:endParaRPr lang="it-IT" dirty="0"/>
+          </a:p>
+        </p:txBody>
+      </p:sp>
+      <p:sp>
+        <p:nvSpPr>
+          <p:cNvPr id="4" name="Segnaposto numero diapositiva 3"/>
+          <p:cNvSpPr>
+            <a:spLocks noGrp="1"/>
+          </p:cNvSpPr>
+          <p:nvPr>
+            <p:ph type="sldNum" sz="quarter" idx="5"/>
+          </p:nvPr>
+        </p:nvSpPr>
+        <p:spPr/>
+        <p:txBody>
+          <a:bodyPr/>
+          <a:lstStyle/>
+          <a:p>
+            <a:fld id="{1EEEB9C4-2C44-416F-8AE9-56A3B0181F3B}" type="slidenum">
+              <a:rPr lang="it-IT" smtClean="0"/>
+              <a:t>11</a:t>
+            </a:fld>
+            <a:endParaRPr lang="it-IT"/>
+          </a:p>
+        </p:txBody>
+      </p:sp>
+    </p:spTree>
+    <p:extLst>
+      <p:ext uri="{BB962C8B-B14F-4D97-AF65-F5344CB8AC3E}">
+        <p14:creationId xmlns:p14="http://schemas.microsoft.com/office/powerpoint/2010/main" val="3385883830"/>
+      </p:ext>
+    </p:extLst>
+  </p:cSld>
+  <p:clrMapOvr>
+    <a:masterClrMapping/>
+  </p:clrMapOvr>
+</p:notes>
+</file>
+
 <file path=ppt/notesSlides/notesSlide2.xml><?xml version="1.0" encoding="utf-8"?>
 <p:notes xmlns:a="http://schemas.openxmlformats.org/drawingml/2006/main" xmlns:r="http://schemas.openxmlformats.org/officeDocument/2006/relationships" xmlns:p="http://schemas.openxmlformats.org/presentationml/2006/main">
   <p:cSld>
@@ -1617,7 +1702,7 @@
     </p:spTree>
     <p:extLst>
       <p:ext uri="{BB962C8B-B14F-4D97-AF65-F5344CB8AC3E}">
-        <p14:creationId xmlns:p14="http://schemas.microsoft.com/office/powerpoint/2010/main" val="3637062757"/>
+        <p14:creationId xmlns:p14="http://schemas.microsoft.com/office/powerpoint/2010/main" val="2738772466"/>
       </p:ext>
     </p:extLst>
   </p:cSld>
@@ -1701,7 +1786,7 @@
     </p:spTree>
     <p:extLst>
       <p:ext uri="{BB962C8B-B14F-4D97-AF65-F5344CB8AC3E}">
-        <p14:creationId xmlns:p14="http://schemas.microsoft.com/office/powerpoint/2010/main" val="3385883830"/>
+        <p14:creationId xmlns:p14="http://schemas.microsoft.com/office/powerpoint/2010/main" val="3637062757"/>
       </p:ext>
     </p:extLst>
   </p:cSld>
@@ -1840,7 +1925,7 @@
           <a:p>
             <a:fld id="{1E66A1BE-F0D3-214A-9F90-10C1BC891174}" type="datetime1">
               <a:rPr lang="it-IT" smtClean="0"/>
-              <a:t>02/07/24</a:t>
+              <a:t>03/07/2024</a:t>
             </a:fld>
             <a:endParaRPr lang="en-US"/>
           </a:p>
@@ -2012,7 +2097,7 @@
           <a:p>
             <a:fld id="{1A2F9CEA-4CBA-5B46-9F2D-8AAAC077C20C}" type="datetime1">
               <a:rPr lang="it-IT" smtClean="0"/>
-              <a:t>02/07/24</a:t>
+              <a:t>03/07/2024</a:t>
             </a:fld>
             <a:endParaRPr lang="en-US"/>
           </a:p>
@@ -2194,7 +2279,7 @@
           <a:p>
             <a:fld id="{2D2AA92D-252F-E74F-A008-B600956630B8}" type="datetime1">
               <a:rPr lang="it-IT" smtClean="0"/>
-              <a:t>02/07/24</a:t>
+              <a:t>03/07/2024</a:t>
             </a:fld>
             <a:endParaRPr lang="en-US"/>
           </a:p>
@@ -2432,7 +2517,7 @@
           <a:p>
             <a:fld id="{675A4DDD-4191-AC43-B23C-150EB3FAC829}" type="datetime1">
               <a:rPr lang="it-IT" smtClean="0"/>
-              <a:t>02/07/24</a:t>
+              <a:t>03/07/2024</a:t>
             </a:fld>
             <a:endParaRPr lang="it-IT" dirty="0"/>
           </a:p>
@@ -2615,7 +2700,7 @@
           <a:p>
             <a:fld id="{DA4A8BFC-A8BE-7140-9712-6D24FC5A6CDA}" type="datetime1">
               <a:rPr lang="it-IT" smtClean="0"/>
-              <a:t>02/07/24</a:t>
+              <a:t>03/07/2024</a:t>
             </a:fld>
             <a:endParaRPr lang="en-US"/>
           </a:p>
@@ -2864,7 +2949,7 @@
           <a:p>
             <a:fld id="{F6DDD7B9-EE9A-DE4E-A3E6-993E182AB3F6}" type="datetime1">
               <a:rPr lang="it-IT" smtClean="0"/>
-              <a:t>02/07/24</a:t>
+              <a:t>03/07/2024</a:t>
             </a:fld>
             <a:endParaRPr lang="en-US"/>
           </a:p>
@@ -3097,7 +3182,7 @@
           <a:p>
             <a:fld id="{2D1BCA79-6CBE-584F-9AEB-DEBE8973A7D5}" type="datetime1">
               <a:rPr lang="it-IT" smtClean="0"/>
-              <a:t>02/07/24</a:t>
+              <a:t>03/07/2024</a:t>
             </a:fld>
             <a:endParaRPr lang="en-US"/>
           </a:p>
@@ -3465,7 +3550,7 @@
           <a:p>
             <a:fld id="{41A05DB2-7F7F-1946-9AFD-C4F27FED3F95}" type="datetime1">
               <a:rPr lang="it-IT" smtClean="0"/>
-              <a:t>02/07/24</a:t>
+              <a:t>03/07/2024</a:t>
             </a:fld>
             <a:endParaRPr lang="en-US"/>
           </a:p>
@@ -3586,7 +3671,7 @@
           <a:p>
             <a:fld id="{C4D3C447-371C-7348-BF21-9AB014C02B2F}" type="datetime1">
               <a:rPr lang="it-IT" smtClean="0"/>
-              <a:t>02/07/24</a:t>
+              <a:t>03/07/2024</a:t>
             </a:fld>
             <a:endParaRPr lang="en-US"/>
           </a:p>
@@ -3685,7 +3770,7 @@
           <a:p>
             <a:fld id="{D8930DAC-32D7-E640-B2E8-05F27DD12FA4}" type="datetime1">
               <a:rPr lang="it-IT" smtClean="0"/>
-              <a:t>02/07/24</a:t>
+              <a:t>03/07/2024</a:t>
             </a:fld>
             <a:endParaRPr lang="en-US"/>
           </a:p>
@@ -3964,7 +4049,7 @@
           <a:p>
             <a:fld id="{D7031530-CD31-3F42-8BCB-F48FC0650F91}" type="datetime1">
               <a:rPr lang="it-IT" smtClean="0"/>
-              <a:t>02/07/24</a:t>
+              <a:t>03/07/2024</a:t>
             </a:fld>
             <a:endParaRPr lang="en-US"/>
           </a:p>
@@ -4220,7 +4305,7 @@
           <a:p>
             <a:fld id="{57CFA210-FCBF-CC4C-BB04-C01A068DA890}" type="datetime1">
               <a:rPr lang="it-IT" smtClean="0"/>
-              <a:t>02/07/24</a:t>
+              <a:t>03/07/2024</a:t>
             </a:fld>
             <a:endParaRPr lang="en-US"/>
           </a:p>
@@ -4435,7 +4520,7 @@
           <a:p>
             <a:fld id="{2BD68708-359A-7340-B147-E85B2A57641F}" type="datetime1">
               <a:rPr lang="it-IT" smtClean="0"/>
-              <a:t>02/07/24</a:t>
+              <a:t>03/07/2024</a:t>
             </a:fld>
             <a:endParaRPr lang="en-US"/>
           </a:p>
@@ -7575,6 +7660,134 @@
           </a:p>
         </p:txBody>
       </p:sp>
+      <p:sp>
+        <p:nvSpPr>
+          <p:cNvPr id="10" name="Titolo 1">
+            <a:extLst>
+              <a:ext uri="{FF2B5EF4-FFF2-40B4-BE49-F238E27FC236}">
+                <a16:creationId xmlns:a16="http://schemas.microsoft.com/office/drawing/2014/main" id="{5606ED56-3D84-023B-5271-76CCC548D183}"/>
+              </a:ext>
+            </a:extLst>
+          </p:cNvPr>
+          <p:cNvSpPr txBox="1">
+            <a:spLocks/>
+          </p:cNvSpPr>
+          <p:nvPr/>
+        </p:nvSpPr>
+        <p:spPr>
+          <a:xfrm>
+            <a:off x="0" y="2970486"/>
+            <a:ext cx="12191695" cy="917028"/>
+          </a:xfrm>
+          <a:prstGeom prst="rect">
+            <a:avLst/>
+          </a:prstGeom>
+        </p:spPr>
+        <p:txBody>
+          <a:bodyPr vert="horz" lIns="91440" tIns="45720" rIns="91440" bIns="45720" rtlCol="0" anchor="b">
+            <a:noAutofit/>
+          </a:bodyPr>
+          <a:lstStyle>
+            <a:lvl1pPr algn="l" defTabSz="914400" rtl="0" eaLnBrk="1" latinLnBrk="0" hangingPunct="1">
+              <a:lnSpc>
+                <a:spcPct val="90000"/>
+              </a:lnSpc>
+              <a:spcBef>
+                <a:spcPct val="0"/>
+              </a:spcBef>
+              <a:buNone/>
+              <a:defRPr sz="4400" kern="1200">
+                <a:solidFill>
+                  <a:schemeClr val="tx1"/>
+                </a:solidFill>
+                <a:latin typeface="+mj-lt"/>
+                <a:ea typeface="+mj-ea"/>
+                <a:cs typeface="+mj-cs"/>
+              </a:defRPr>
+            </a:lvl1pPr>
+          </a:lstStyle>
+          <a:p>
+            <a:pPr algn="ctr"/>
+            <a:r>
+              <a:rPr lang="it-IT" sz="5500" b="1" dirty="0">
+                <a:solidFill>
+                  <a:schemeClr val="tx2"/>
+                </a:solidFill>
+                <a:cs typeface="Calibri Light"/>
+              </a:rPr>
+              <a:t>UML: View</a:t>
+            </a:r>
+            <a:r>
+              <a:rPr lang="it-IT" sz="5500" dirty="0">
+                <a:solidFill>
+                  <a:schemeClr val="tx2"/>
+                </a:solidFill>
+                <a:cs typeface="Calibri Light"/>
+              </a:rPr>
+              <a:t> </a:t>
+            </a:r>
+          </a:p>
+        </p:txBody>
+      </p:sp>
+    </p:spTree>
+    <p:extLst>
+      <p:ext uri="{BB962C8B-B14F-4D97-AF65-F5344CB8AC3E}">
+        <p14:creationId xmlns:p14="http://schemas.microsoft.com/office/powerpoint/2010/main" val="1769232380"/>
+      </p:ext>
+    </p:extLst>
+  </p:cSld>
+  <p:clrMapOvr>
+    <a:masterClrMapping/>
+  </p:clrMapOvr>
+</p:sld>
+</file>
+
+<file path=ppt/slides/slide11.xml><?xml version="1.0" encoding="utf-8"?>
+<p:sld xmlns:a="http://schemas.openxmlformats.org/drawingml/2006/main" xmlns:r="http://schemas.openxmlformats.org/officeDocument/2006/relationships" xmlns:p="http://schemas.openxmlformats.org/presentationml/2006/main">
+  <p:cSld>
+    <p:spTree>
+      <p:nvGrpSpPr>
+        <p:cNvPr id="1" name=""/>
+        <p:cNvGrpSpPr/>
+        <p:nvPr/>
+      </p:nvGrpSpPr>
+      <p:grpSpPr>
+        <a:xfrm>
+          <a:off x="0" y="0"/>
+          <a:ext cx="0" cy="0"/>
+          <a:chOff x="0" y="0"/>
+          <a:chExt cx="0" cy="0"/>
+        </a:xfrm>
+      </p:grpSpPr>
+      <p:sp>
+        <p:nvSpPr>
+          <p:cNvPr id="7" name="Segnaposto numero diapositiva 6">
+            <a:extLst>
+              <a:ext uri="{FF2B5EF4-FFF2-40B4-BE49-F238E27FC236}">
+                <a16:creationId xmlns:a16="http://schemas.microsoft.com/office/drawing/2014/main" id="{41CE79F2-404B-991F-157F-F18805847EB1}"/>
+              </a:ext>
+            </a:extLst>
+          </p:cNvPr>
+          <p:cNvSpPr>
+            <a:spLocks noGrp="1"/>
+          </p:cNvSpPr>
+          <p:nvPr>
+            <p:ph type="sldNum" sz="quarter" idx="12"/>
+          </p:nvPr>
+        </p:nvSpPr>
+        <p:spPr/>
+        <p:txBody>
+          <a:bodyPr/>
+          <a:lstStyle/>
+          <a:p>
+            <a:fld id="{9732ED0D-4952-4698-A180-3B5BCDA8B725}" type="slidenum">
+              <a:rPr lang="it-IT" smtClean="0"/>
+              <a:t>11</a:t>
+            </a:fld>
+            <a:endParaRPr lang="it-IT"/>
+          </a:p>
+        </p:txBody>
+      </p:sp>
       <p:pic>
         <p:nvPicPr>
           <p:cNvPr id="5" name="Picture 4">
@@ -8700,79 +8913,40 @@
           </a:p>
         </p:txBody>
       </p:sp>
-      <p:sp>
-        <p:nvSpPr>
-          <p:cNvPr id="10" name="Titolo 1">
+      <p:pic>
+        <p:nvPicPr>
+          <p:cNvPr id="4" name="Picture 3">
             <a:extLst>
               <a:ext uri="{FF2B5EF4-FFF2-40B4-BE49-F238E27FC236}">
-                <a16:creationId xmlns:a16="http://schemas.microsoft.com/office/drawing/2014/main" id="{5606ED56-3D84-023B-5271-76CCC548D183}"/>
+                <a16:creationId xmlns:a16="http://schemas.microsoft.com/office/drawing/2014/main" id="{6106E65F-65B7-C335-2BD2-2EDE81CDE122}"/>
               </a:ext>
             </a:extLst>
           </p:cNvPr>
-          <p:cNvSpPr txBox="1">
-            <a:spLocks/>
-          </p:cNvSpPr>
+          <p:cNvPicPr>
+            <a:picLocks noChangeAspect="1"/>
+          </p:cNvPicPr>
           <p:nvPr/>
-        </p:nvSpPr>
+        </p:nvPicPr>
+        <p:blipFill>
+          <a:blip r:embed="rId3"/>
+          <a:stretch>
+            <a:fillRect/>
+          </a:stretch>
+        </p:blipFill>
         <p:spPr>
           <a:xfrm>
-            <a:off x="0" y="2970486"/>
-            <a:ext cx="12191695" cy="917028"/>
+            <a:off x="2372988" y="506109"/>
+            <a:ext cx="7446023" cy="5845781"/>
           </a:xfrm>
           <a:prstGeom prst="rect">
             <a:avLst/>
           </a:prstGeom>
         </p:spPr>
-        <p:txBody>
-          <a:bodyPr vert="horz" lIns="91440" tIns="45720" rIns="91440" bIns="45720" rtlCol="0" anchor="b">
-            <a:noAutofit/>
-          </a:bodyPr>
-          <a:lstStyle>
-            <a:lvl1pPr algn="l" defTabSz="914400" rtl="0" eaLnBrk="1" latinLnBrk="0" hangingPunct="1">
-              <a:lnSpc>
-                <a:spcPct val="90000"/>
-              </a:lnSpc>
-              <a:spcBef>
-                <a:spcPct val="0"/>
-              </a:spcBef>
-              <a:buNone/>
-              <a:defRPr sz="4400" kern="1200">
-                <a:solidFill>
-                  <a:schemeClr val="tx1"/>
-                </a:solidFill>
-                <a:latin typeface="+mj-lt"/>
-                <a:ea typeface="+mj-ea"/>
-                <a:cs typeface="+mj-cs"/>
-              </a:defRPr>
-            </a:lvl1pPr>
-          </a:lstStyle>
-          <a:p>
-            <a:pPr algn="ctr"/>
-            <a:r>
-              <a:rPr lang="it-IT" sz="5500" b="1" dirty="0">
-                <a:solidFill>
-                  <a:schemeClr val="tx2"/>
-                </a:solidFill>
-                <a:cs typeface="Calibri Light"/>
-              </a:rPr>
-              <a:t>UML: View</a:t>
-            </a:r>
-            <a:r>
-              <a:rPr lang="it-IT" sz="5500" dirty="0">
-                <a:solidFill>
-                  <a:schemeClr val="tx2"/>
-                </a:solidFill>
-                <a:cs typeface="Calibri Light"/>
-              </a:rPr>
-              <a:t> </a:t>
-            </a:r>
-          </a:p>
-        </p:txBody>
-      </p:sp>
+      </p:pic>
     </p:spTree>
     <p:extLst>
       <p:ext uri="{BB962C8B-B14F-4D97-AF65-F5344CB8AC3E}">
-        <p14:creationId xmlns:p14="http://schemas.microsoft.com/office/powerpoint/2010/main" val="1769232380"/>
+        <p14:creationId xmlns:p14="http://schemas.microsoft.com/office/powerpoint/2010/main" val="3132107456"/>
       </p:ext>
     </p:extLst>
   </p:cSld>
